--- a/docs/NOMS 2020/JoseSantos_NOMS2020.pptx
+++ b/docs/NOMS 2020/JoseSantos_NOMS2020.pptx
@@ -1097,197 +1097,6 @@
             <a:pPr>
               <a:buNone/>
             </a:pPr>
-            <a:r>
-              <a:rPr lang="en-US" sz="1100" dirty="0">
-                <a:latin typeface="UGent Panno Text" panose="02000506040000040003" pitchFamily="2" charset="0"/>
-              </a:rPr>
-              <a:t>In our previous work,</a:t>
-            </a:r>
-            <a:r>
-              <a:rPr lang="en-US" sz="1100" baseline="0" dirty="0">
-                <a:latin typeface="UGent Panno Text" panose="02000506040000040003" pitchFamily="2" charset="0"/>
-              </a:rPr>
-              <a:t> we </a:t>
-            </a:r>
-            <a:r>
-              <a:rPr lang="en-US" sz="1100" dirty="0">
-                <a:latin typeface="UGent Panno Text" panose="02000506040000040003" pitchFamily="2" charset="0"/>
-              </a:rPr>
-              <a:t>proposed a network-aware scheduling extension to Kubernetes, which provides service provisioning decisions based on up-to-date information about the current status of the network infrastructure.</a:t>
-            </a:r>
-          </a:p>
-          <a:p>
-            <a:pPr>
-              <a:buNone/>
-            </a:pPr>
-            <a:endParaRPr lang="en-US" sz="1100" dirty="0">
-              <a:latin typeface="UGent Panno Text" panose="02000506040000040003" pitchFamily="2" charset="0"/>
-            </a:endParaRPr>
-          </a:p>
-          <a:p>
-            <a:pPr>
-              <a:buNone/>
-            </a:pPr>
-            <a:r>
-              <a:rPr lang="en-US" sz="1100" dirty="0">
-                <a:latin typeface="UGent Panno Text" panose="02000506040000040003" pitchFamily="2" charset="0"/>
-              </a:rPr>
-              <a:t>Our Network-Aware Scheduler (NAS) is implemented by </a:t>
-            </a:r>
-            <a:r>
-              <a:rPr lang="en-US" sz="1100" b="0" i="0" u="none" strike="noStrike" kern="1200" baseline="0" dirty="0">
-                <a:solidFill>
-                  <a:schemeClr val="tx1"/>
-                </a:solidFill>
-                <a:latin typeface="+mn-lt"/>
-                <a:ea typeface="+mn-ea"/>
-                <a:cs typeface="+mn-cs"/>
-              </a:rPr>
-              <a:t>creating an “extender” process that the default KS calls out as a final step when making scheduling decisions. This extension approach is particularly suitable for use cases where scheduling decisions need to be made on resources not directly managed by the standard KS, which is exactly our case, since information on the current status of the network infrastructure is not available throughout the default scheduling process (KS).</a:t>
-            </a:r>
-            <a:endParaRPr lang="en-US" sz="1100" dirty="0">
-              <a:latin typeface="UGent Panno Text" panose="02000506040000040003" pitchFamily="2" charset="0"/>
-            </a:endParaRPr>
-          </a:p>
-          <a:p>
-            <a:pPr>
-              <a:buNone/>
-            </a:pPr>
-            <a:endParaRPr lang="en-US" sz="1100" dirty="0">
-              <a:latin typeface="UGent Panno Text" panose="02000506040000040003" pitchFamily="2" charset="0"/>
-            </a:endParaRPr>
-          </a:p>
-          <a:p>
-            <a:pPr marL="0" marR="0" lvl="0" indent="0" algn="l" defTabSz="914400" rtl="0" eaLnBrk="1" fontAlgn="auto" latinLnBrk="0" hangingPunct="1">
-              <a:lnSpc>
-                <a:spcPct val="100000"/>
-              </a:lnSpc>
-              <a:spcBef>
-                <a:spcPts val="0"/>
-              </a:spcBef>
-              <a:spcAft>
-                <a:spcPts val="0"/>
-              </a:spcAft>
-              <a:buClrTx/>
-              <a:buSzTx/>
-              <a:buFontTx/>
-              <a:buNone/>
-              <a:tabLst/>
-              <a:defRPr/>
-            </a:pPr>
-            <a:r>
-              <a:rPr lang="en-US" sz="1100" dirty="0">
-                <a:latin typeface="UGent Panno Text" panose="02000506040000040003" pitchFamily="2" charset="0"/>
-              </a:rPr>
-              <a:t>We extended KS through the filter endpoint. The arguments passed on to the Filter endpoint consist of the set of nodes already filtered by KS and the given pod.</a:t>
-            </a:r>
-          </a:p>
-          <a:p>
-            <a:pPr>
-              <a:buNone/>
-            </a:pPr>
-            <a:endParaRPr lang="en-US" sz="1100" dirty="0">
-              <a:latin typeface="UGent Panno Text" panose="02000506040000040003" pitchFamily="2" charset="0"/>
-            </a:endParaRPr>
-          </a:p>
-          <a:p>
-            <a:pPr>
-              <a:buNone/>
-            </a:pPr>
-            <a:r>
-              <a:rPr lang="en-US" sz="1100" dirty="0">
-                <a:latin typeface="UGent Panno Text" panose="02000506040000040003" pitchFamily="2" charset="0"/>
-              </a:rPr>
-              <a:t>The NAS makes use of strategically placed RTT labels to decide where it is suitable to deploy a specific service based on the target location specified on the pod configuration file. </a:t>
-            </a:r>
-          </a:p>
-          <a:p>
-            <a:pPr marL="0" marR="0" lvl="0" indent="0" algn="l" defTabSz="914400" rtl="0" eaLnBrk="1" fontAlgn="auto" latinLnBrk="0" hangingPunct="1">
-              <a:lnSpc>
-                <a:spcPct val="100000"/>
-              </a:lnSpc>
-              <a:spcBef>
-                <a:spcPts val="0"/>
-              </a:spcBef>
-              <a:spcAft>
-                <a:spcPts val="0"/>
-              </a:spcAft>
-              <a:buClrTx/>
-              <a:buSzTx/>
-              <a:buFontTx/>
-              <a:buNone/>
-              <a:tabLst/>
-              <a:defRPr/>
-            </a:pPr>
-            <a:endParaRPr lang="en-US" sz="1100" dirty="0">
-              <a:latin typeface="UGent Panno Text" panose="02000506040000040003" pitchFamily="2" charset="0"/>
-            </a:endParaRPr>
-          </a:p>
-          <a:p>
-            <a:pPr marL="0" marR="0" lvl="0" indent="0" algn="l" defTabSz="914400" rtl="0" eaLnBrk="1" fontAlgn="auto" latinLnBrk="0" hangingPunct="1">
-              <a:lnSpc>
-                <a:spcPct val="100000"/>
-              </a:lnSpc>
-              <a:spcBef>
-                <a:spcPts val="0"/>
-              </a:spcBef>
-              <a:spcAft>
-                <a:spcPts val="0"/>
-              </a:spcAft>
-              <a:buClrTx/>
-              <a:buSzTx/>
-              <a:buFontTx/>
-              <a:buNone/>
-              <a:tabLst/>
-              <a:defRPr/>
-            </a:pPr>
-            <a:r>
-              <a:rPr lang="en-US" sz="1100" dirty="0">
-                <a:latin typeface="UGent Panno Text" panose="02000506040000040003" pitchFamily="2" charset="0"/>
-              </a:rPr>
-              <a:t>Round Trip Time (RTT) values are assigned to each node as a label so that delay constraints can be considered in the scheduling process. Furthermore, the available bandwidth</a:t>
-            </a:r>
-            <a:r>
-              <a:rPr lang="en-US" sz="1100" baseline="0" dirty="0">
-                <a:latin typeface="UGent Panno Text" panose="02000506040000040003" pitchFamily="2" charset="0"/>
-              </a:rPr>
-              <a:t> on each node is also assigned as a label.</a:t>
-            </a:r>
-            <a:endParaRPr lang="en-US" sz="1100" dirty="0">
-              <a:latin typeface="UGent Panno Text" panose="02000506040000040003" pitchFamily="2" charset="0"/>
-            </a:endParaRPr>
-          </a:p>
-          <a:p>
-            <a:pPr>
-              <a:buNone/>
-            </a:pPr>
-            <a:endParaRPr lang="en-US" sz="1100" dirty="0">
-              <a:latin typeface="UGent Panno Text" panose="02000506040000040003" pitchFamily="2" charset="0"/>
-            </a:endParaRPr>
-          </a:p>
-          <a:p>
-            <a:pPr>
-              <a:buNone/>
-            </a:pPr>
-            <a:r>
-              <a:rPr lang="en-US" sz="1100" dirty="0">
-                <a:latin typeface="UGent Panno Text" panose="02000506040000040003" pitchFamily="2" charset="0"/>
-              </a:rPr>
-              <a:t>The node selection is based on the minimization of the RTT depending on the target location for the service after the completion of the filtering step. </a:t>
-            </a:r>
-          </a:p>
-          <a:p>
-            <a:pPr>
-              <a:buNone/>
-            </a:pPr>
-            <a:endParaRPr lang="en-US" sz="1100" dirty="0">
-              <a:latin typeface="UGent Panno Text" panose="02000506040000040003" pitchFamily="2" charset="0"/>
-            </a:endParaRPr>
-          </a:p>
-          <a:p>
-            <a:pPr>
-              <a:buNone/>
-            </a:pPr>
             <a:endParaRPr lang="en-US" dirty="0"/>
           </a:p>
         </p:txBody>
@@ -1353,256 +1162,6 @@
         <p:txBody>
           <a:bodyPr/>
           <a:lstStyle/>
-          <a:p>
-            <a:pPr marL="0" marR="0" lvl="0" indent="0" algn="l" defTabSz="914400" rtl="0" eaLnBrk="1" fontAlgn="auto" latinLnBrk="0" hangingPunct="1">
-              <a:lnSpc>
-                <a:spcPct val="100000"/>
-              </a:lnSpc>
-              <a:spcBef>
-                <a:spcPts val="0"/>
-              </a:spcBef>
-              <a:spcAft>
-                <a:spcPts val="0"/>
-              </a:spcAft>
-              <a:buClrTx/>
-              <a:buSzTx/>
-              <a:buFontTx/>
-              <a:buNone/>
-              <a:tabLst/>
-              <a:defRPr/>
-            </a:pPr>
-            <a:endParaRPr lang="en-US" sz="1100" dirty="0">
-              <a:latin typeface="UGent Panno Text" panose="02000506040000040003" pitchFamily="2" charset="0"/>
-            </a:endParaRPr>
-          </a:p>
-          <a:p>
-            <a:pPr marL="0" marR="0" lvl="0" indent="0" algn="l" defTabSz="914400" rtl="0" eaLnBrk="1" fontAlgn="auto" latinLnBrk="0" hangingPunct="1">
-              <a:lnSpc>
-                <a:spcPct val="100000"/>
-              </a:lnSpc>
-              <a:spcBef>
-                <a:spcPts val="0"/>
-              </a:spcBef>
-              <a:spcAft>
-                <a:spcPts val="0"/>
-              </a:spcAft>
-              <a:buClrTx/>
-              <a:buSzTx/>
-              <a:buFontTx/>
-              <a:buNone/>
-              <a:tabLst/>
-              <a:defRPr/>
-            </a:pPr>
-            <a:r>
-              <a:rPr lang="en-US" sz="1100" b="0" i="0" u="none" strike="noStrike" kern="1200" baseline="0" dirty="0">
-                <a:solidFill>
-                  <a:schemeClr val="tx1"/>
-                </a:solidFill>
-                <a:latin typeface="+mn-lt"/>
-                <a:ea typeface="+mn-ea"/>
-                <a:cs typeface="+mn-cs"/>
-              </a:rPr>
-              <a:t>We extended our previous scheduler, now called SFC controller, with mainly two functionalities:</a:t>
-            </a:r>
-          </a:p>
-          <a:p>
-            <a:pPr marL="0" marR="0" lvl="0" indent="0" algn="l" defTabSz="914400" rtl="0" eaLnBrk="1" fontAlgn="auto" latinLnBrk="0" hangingPunct="1">
-              <a:lnSpc>
-                <a:spcPct val="100000"/>
-              </a:lnSpc>
-              <a:spcBef>
-                <a:spcPts val="0"/>
-              </a:spcBef>
-              <a:spcAft>
-                <a:spcPts val="0"/>
-              </a:spcAft>
-              <a:buClrTx/>
-              <a:buSzTx/>
-              <a:buFontTx/>
-              <a:buNone/>
-              <a:tabLst/>
-              <a:defRPr/>
-            </a:pPr>
-            <a:endParaRPr lang="en-US" sz="1100" b="0" i="0" u="none" strike="noStrike" kern="1200" baseline="0" dirty="0">
-              <a:solidFill>
-                <a:schemeClr val="tx1"/>
-              </a:solidFill>
-              <a:latin typeface="+mn-lt"/>
-              <a:ea typeface="+mn-ea"/>
-              <a:cs typeface="+mn-cs"/>
-            </a:endParaRPr>
-          </a:p>
-          <a:p>
-            <a:pPr marL="0" marR="0" lvl="0" indent="0" algn="l" defTabSz="914400" rtl="0" eaLnBrk="1" fontAlgn="auto" latinLnBrk="0" hangingPunct="1">
-              <a:lnSpc>
-                <a:spcPct val="100000"/>
-              </a:lnSpc>
-              <a:spcBef>
-                <a:spcPts val="0"/>
-              </a:spcBef>
-              <a:spcAft>
-                <a:spcPts val="0"/>
-              </a:spcAft>
-              <a:buClrTx/>
-              <a:buSzTx/>
-              <a:buFontTx/>
-              <a:buNone/>
-              <a:tabLst/>
-              <a:defRPr/>
-            </a:pPr>
-            <a:r>
-              <a:rPr lang="en-US" sz="1100" b="0" i="0" u="none" strike="noStrike" kern="1200" baseline="0" dirty="0">
-                <a:solidFill>
-                  <a:schemeClr val="tx1"/>
-                </a:solidFill>
-                <a:latin typeface="+mn-lt"/>
-                <a:ea typeface="+mn-ea"/>
-                <a:cs typeface="+mn-cs"/>
-              </a:rPr>
-              <a:t>SFC information available as pod Labels in the Pod configuration files.</a:t>
-            </a:r>
-          </a:p>
-          <a:p>
-            <a:pPr marL="0" marR="0" lvl="0" indent="0" algn="l" defTabSz="914400" rtl="0" eaLnBrk="1" fontAlgn="auto" latinLnBrk="0" hangingPunct="1">
-              <a:lnSpc>
-                <a:spcPct val="100000"/>
-              </a:lnSpc>
-              <a:spcBef>
-                <a:spcPts val="0"/>
-              </a:spcBef>
-              <a:spcAft>
-                <a:spcPts val="0"/>
-              </a:spcAft>
-              <a:buClrTx/>
-              <a:buSzTx/>
-              <a:buFontTx/>
-              <a:buNone/>
-              <a:tabLst/>
-              <a:defRPr/>
-            </a:pPr>
-            <a:endParaRPr lang="en-US" sz="1100" b="0" i="0" u="none" strike="noStrike" kern="1200" baseline="0" dirty="0">
-              <a:solidFill>
-                <a:schemeClr val="tx1"/>
-              </a:solidFill>
-              <a:latin typeface="+mn-lt"/>
-              <a:ea typeface="+mn-ea"/>
-              <a:cs typeface="+mn-cs"/>
-            </a:endParaRPr>
-          </a:p>
-          <a:p>
-            <a:pPr marL="0" marR="0" lvl="0" indent="0" algn="l" defTabSz="914400" rtl="0" eaLnBrk="1" fontAlgn="auto" latinLnBrk="0" hangingPunct="1">
-              <a:lnSpc>
-                <a:spcPct val="100000"/>
-              </a:lnSpc>
-              <a:spcBef>
-                <a:spcPts val="0"/>
-              </a:spcBef>
-              <a:spcAft>
-                <a:spcPts val="0"/>
-              </a:spcAft>
-              <a:buClrTx/>
-              <a:buSzTx/>
-              <a:buFontTx/>
-              <a:buNone/>
-              <a:tabLst/>
-              <a:defRPr/>
-            </a:pPr>
-            <a:r>
-              <a:rPr lang="en-US" sz="1100" b="0" i="0" u="none" strike="noStrike" kern="1200" baseline="0" dirty="0">
-                <a:solidFill>
-                  <a:schemeClr val="tx1"/>
-                </a:solidFill>
-                <a:latin typeface="+mn-lt"/>
-                <a:ea typeface="+mn-ea"/>
-                <a:cs typeface="+mn-cs"/>
-              </a:rPr>
-              <a:t>And also provisioning strategies based on latency and location. </a:t>
-            </a:r>
-          </a:p>
-          <a:p>
-            <a:pPr marL="0" marR="0" lvl="0" indent="0" algn="l" defTabSz="914400" rtl="0" eaLnBrk="1" fontAlgn="auto" latinLnBrk="0" hangingPunct="1">
-              <a:lnSpc>
-                <a:spcPct val="100000"/>
-              </a:lnSpc>
-              <a:spcBef>
-                <a:spcPts val="0"/>
-              </a:spcBef>
-              <a:spcAft>
-                <a:spcPts val="0"/>
-              </a:spcAft>
-              <a:buClrTx/>
-              <a:buSzTx/>
-              <a:buFontTx/>
-              <a:buNone/>
-              <a:tabLst/>
-              <a:defRPr/>
-            </a:pPr>
-            <a:endParaRPr lang="en-US" sz="1100" b="0" i="0" u="none" strike="noStrike" kern="1200" baseline="0" dirty="0">
-              <a:solidFill>
-                <a:schemeClr val="tx1"/>
-              </a:solidFill>
-              <a:latin typeface="+mn-lt"/>
-              <a:ea typeface="+mn-ea"/>
-              <a:cs typeface="+mn-cs"/>
-            </a:endParaRPr>
-          </a:p>
-          <a:p>
-            <a:pPr marL="0" marR="0" lvl="0" indent="0" algn="l" defTabSz="914400" rtl="0" eaLnBrk="1" fontAlgn="auto" latinLnBrk="0" hangingPunct="1">
-              <a:lnSpc>
-                <a:spcPct val="100000"/>
-              </a:lnSpc>
-              <a:spcBef>
-                <a:spcPts val="0"/>
-              </a:spcBef>
-              <a:spcAft>
-                <a:spcPts val="0"/>
-              </a:spcAft>
-              <a:buClrTx/>
-              <a:buSzTx/>
-              <a:buFontTx/>
-              <a:buNone/>
-              <a:tabLst/>
-              <a:defRPr/>
-            </a:pPr>
-            <a:endParaRPr lang="en-US" sz="1100" b="0" i="0" u="none" strike="noStrike" kern="1200" baseline="0" dirty="0">
-              <a:solidFill>
-                <a:schemeClr val="tx1"/>
-              </a:solidFill>
-              <a:latin typeface="+mn-lt"/>
-              <a:ea typeface="+mn-ea"/>
-              <a:cs typeface="+mn-cs"/>
-            </a:endParaRPr>
-          </a:p>
-          <a:p>
-            <a:pPr marL="0" marR="0" lvl="0" indent="0" algn="l" defTabSz="914400" rtl="0" eaLnBrk="1" fontAlgn="auto" latinLnBrk="0" hangingPunct="1">
-              <a:lnSpc>
-                <a:spcPct val="100000"/>
-              </a:lnSpc>
-              <a:spcBef>
-                <a:spcPts val="0"/>
-              </a:spcBef>
-              <a:spcAft>
-                <a:spcPts val="0"/>
-              </a:spcAft>
-              <a:buClrTx/>
-              <a:buSzTx/>
-              <a:buFontTx/>
-              <a:buNone/>
-              <a:tabLst/>
-              <a:defRPr/>
-            </a:pPr>
-            <a:endParaRPr lang="en-US" sz="1100" dirty="0">
-              <a:latin typeface="UGent Panno Text" panose="02000506040000040003" pitchFamily="2" charset="0"/>
-            </a:endParaRPr>
-          </a:p>
-          <a:p>
-            <a:pPr>
-              <a:buNone/>
-            </a:pPr>
-            <a:endParaRPr lang="en-US" sz="1100" dirty="0">
-              <a:latin typeface="UGent Panno Text" panose="02000506040000040003" pitchFamily="2" charset="0"/>
-            </a:endParaRPr>
-          </a:p>
           <a:p>
             <a:pPr>
               <a:buNone/>
@@ -1672,185 +1231,6 @@
         <p:txBody>
           <a:bodyPr/>
           <a:lstStyle/>
-          <a:p>
-            <a:pPr>
-              <a:buNone/>
-            </a:pPr>
-            <a:r>
-              <a:rPr lang="en-US" sz="1100" b="0" i="0" u="none" strike="noStrike" kern="1200" baseline="0" dirty="0">
-                <a:solidFill>
-                  <a:schemeClr val="tx1"/>
-                </a:solidFill>
-                <a:latin typeface="+mn-lt"/>
-                <a:ea typeface="+mn-ea"/>
-                <a:cs typeface="+mn-cs"/>
-              </a:rPr>
-              <a:t>In terms of SFC information:</a:t>
-            </a:r>
-          </a:p>
-          <a:p>
-            <a:pPr>
-              <a:buNone/>
-            </a:pPr>
-            <a:endParaRPr lang="en-US" sz="1100" b="0" i="0" u="none" strike="noStrike" kern="1200" baseline="0" dirty="0">
-              <a:solidFill>
-                <a:schemeClr val="tx1"/>
-              </a:solidFill>
-              <a:latin typeface="+mn-lt"/>
-              <a:ea typeface="+mn-ea"/>
-              <a:cs typeface="+mn-cs"/>
-            </a:endParaRPr>
-          </a:p>
-          <a:p>
-            <a:pPr>
-              <a:buNone/>
-            </a:pPr>
-            <a:r>
-              <a:rPr lang="en-US" sz="1100" b="0" i="0" u="none" strike="noStrike" kern="1200" baseline="0" dirty="0">
-                <a:solidFill>
-                  <a:schemeClr val="tx1"/>
-                </a:solidFill>
-                <a:latin typeface="+mn-lt"/>
-                <a:ea typeface="+mn-ea"/>
-                <a:cs typeface="+mn-cs"/>
-              </a:rPr>
-              <a:t>Network Service Header  - The specific SFC identifier (String).</a:t>
-            </a:r>
-          </a:p>
-          <a:p>
-            <a:pPr>
-              <a:buNone/>
-            </a:pPr>
-            <a:r>
-              <a:rPr lang="en-US" sz="1100" b="0" i="0" u="none" strike="noStrike" kern="1200" baseline="0" dirty="0">
-                <a:solidFill>
-                  <a:schemeClr val="tx1"/>
-                </a:solidFill>
-                <a:latin typeface="+mn-lt"/>
-                <a:ea typeface="+mn-ea"/>
-                <a:cs typeface="+mn-cs"/>
-              </a:rPr>
-              <a:t>Chain Position - The position of the given pod in the SFC.</a:t>
-            </a:r>
-          </a:p>
-          <a:p>
-            <a:pPr>
-              <a:buNone/>
-            </a:pPr>
-            <a:r>
-              <a:rPr lang="en-US" sz="1100" b="0" i="0" u="none" strike="noStrike" kern="1200" baseline="0" dirty="0">
-                <a:solidFill>
-                  <a:schemeClr val="tx1"/>
-                </a:solidFill>
-                <a:latin typeface="+mn-lt"/>
-                <a:ea typeface="+mn-ea"/>
-                <a:cs typeface="+mn-cs"/>
-              </a:rPr>
-              <a:t>Total Services -  The total number of services in the SFC.</a:t>
-            </a:r>
-          </a:p>
-          <a:p>
-            <a:pPr>
-              <a:buNone/>
-            </a:pPr>
-            <a:r>
-              <a:rPr lang="en-US" sz="1100" b="0" i="0" u="none" strike="noStrike" kern="1200" baseline="0" dirty="0">
-                <a:solidFill>
-                  <a:schemeClr val="tx1"/>
-                </a:solidFill>
-                <a:latin typeface="+mn-lt"/>
-                <a:ea typeface="+mn-ea"/>
-                <a:cs typeface="+mn-cs"/>
-              </a:rPr>
-              <a:t>Target Location -  The preferred location for the deployment.</a:t>
-            </a:r>
-          </a:p>
-          <a:p>
-            <a:pPr>
-              <a:buNone/>
-            </a:pPr>
-            <a:r>
-              <a:rPr lang="en-US" sz="1100" b="0" i="0" u="none" strike="noStrike" kern="1200" baseline="0" dirty="0">
-                <a:solidFill>
-                  <a:schemeClr val="tx1"/>
-                </a:solidFill>
-                <a:latin typeface="+mn-lt"/>
-                <a:ea typeface="+mn-ea"/>
-                <a:cs typeface="+mn-cs"/>
-              </a:rPr>
-              <a:t>Policy - The preferred allocation policy.</a:t>
-            </a:r>
-          </a:p>
-          <a:p>
-            <a:pPr>
-              <a:buNone/>
-            </a:pPr>
-            <a:r>
-              <a:rPr lang="en-US" sz="1100" b="0" i="0" u="none" strike="noStrike" kern="1200" baseline="0" dirty="0">
-                <a:solidFill>
-                  <a:schemeClr val="tx1"/>
-                </a:solidFill>
-                <a:latin typeface="+mn-lt"/>
-                <a:ea typeface="+mn-ea"/>
-                <a:cs typeface="+mn-cs"/>
-              </a:rPr>
-              <a:t>Min Bandwidth - The minimum expected bandwidth.</a:t>
-            </a:r>
-          </a:p>
-          <a:p>
-            <a:pPr>
-              <a:buNone/>
-            </a:pPr>
-            <a:r>
-              <a:rPr lang="en-US" sz="1100" b="0" i="0" u="none" strike="noStrike" kern="1200" baseline="0" dirty="0" err="1">
-                <a:solidFill>
-                  <a:schemeClr val="tx1"/>
-                </a:solidFill>
-                <a:latin typeface="+mn-lt"/>
-                <a:ea typeface="+mn-ea"/>
-                <a:cs typeface="+mn-cs"/>
-              </a:rPr>
-              <a:t>Prev</a:t>
-            </a:r>
-            <a:r>
-              <a:rPr lang="en-US" sz="1100" b="0" i="0" u="none" strike="noStrike" kern="1200" baseline="0" dirty="0">
-                <a:solidFill>
-                  <a:schemeClr val="tx1"/>
-                </a:solidFill>
-                <a:latin typeface="+mn-lt"/>
-                <a:ea typeface="+mn-ea"/>
-                <a:cs typeface="+mn-cs"/>
-              </a:rPr>
-              <a:t> Service - The previous service in the SFC.</a:t>
-            </a:r>
-          </a:p>
-          <a:p>
-            <a:pPr>
-              <a:buNone/>
-            </a:pPr>
-            <a:r>
-              <a:rPr lang="en-US" sz="1100" b="0" i="0" u="none" strike="noStrike" kern="1200" baseline="0" dirty="0">
-                <a:solidFill>
-                  <a:schemeClr val="tx1"/>
-                </a:solidFill>
-                <a:latin typeface="+mn-lt"/>
-                <a:ea typeface="+mn-ea"/>
-                <a:cs typeface="+mn-cs"/>
-              </a:rPr>
-              <a:t>Next Service - The next service in the SFC..</a:t>
-            </a:r>
-            <a:endParaRPr lang="en-US" sz="1100" dirty="0">
-              <a:latin typeface="UGent Panno Text" panose="02000506040000040003" pitchFamily="2" charset="0"/>
-            </a:endParaRPr>
-          </a:p>
-          <a:p>
-            <a:pPr>
-              <a:buNone/>
-            </a:pPr>
-            <a:endParaRPr lang="en-US" sz="1100" dirty="0">
-              <a:latin typeface="UGent Panno Text" panose="02000506040000040003" pitchFamily="2" charset="0"/>
-            </a:endParaRPr>
-          </a:p>
           <a:p>
             <a:pPr>
               <a:buNone/>
@@ -2001,25 +1381,6 @@
             <a:pPr>
               <a:buNone/>
             </a:pPr>
-            <a:r>
-              <a:rPr lang="en-US" dirty="0"/>
-              <a:t>So Now, I will talk</a:t>
-            </a:r>
-            <a:r>
-              <a:rPr lang="en-US" baseline="0" dirty="0"/>
-              <a:t> about our evaluation approach and show the results that we obtained.</a:t>
-            </a:r>
-          </a:p>
-          <a:p>
-            <a:pPr>
-              <a:buNone/>
-            </a:pPr>
-            <a:endParaRPr lang="en-US" baseline="0" dirty="0"/>
-          </a:p>
-          <a:p>
-            <a:pPr>
-              <a:buNone/>
-            </a:pPr>
             <a:endParaRPr lang="en-US" dirty="0"/>
           </a:p>
         </p:txBody>
@@ -2085,55 +1446,6 @@
         <p:txBody>
           <a:bodyPr/>
           <a:lstStyle/>
-          <a:p>
-            <a:pPr>
-              <a:buNone/>
-            </a:pPr>
-            <a:r>
-              <a:rPr lang="en-US" dirty="0"/>
-              <a:t>Our testbed</a:t>
-            </a:r>
-            <a:r>
-              <a:rPr lang="en-US" baseline="0" dirty="0"/>
-              <a:t> infrastructure was composed by a Kubernetes cluster with 15 Nodes (1 Master, 14 Worker Nodes)</a:t>
-            </a:r>
-          </a:p>
-          <a:p>
-            <a:pPr>
-              <a:buNone/>
-            </a:pPr>
-            <a:endParaRPr lang="en-US" baseline="0" dirty="0"/>
-          </a:p>
-          <a:p>
-            <a:pPr>
-              <a:buNone/>
-            </a:pPr>
-            <a:r>
-              <a:rPr lang="en-US" baseline="0" dirty="0"/>
-              <a:t>Nodes were assigned several labels. For instance, delay labels depending on the locations. For example, for worker 1…</a:t>
-            </a:r>
-          </a:p>
-          <a:p>
-            <a:pPr>
-              <a:buNone/>
-            </a:pPr>
-            <a:endParaRPr lang="en-US" baseline="0" dirty="0"/>
-          </a:p>
-          <a:p>
-            <a:pPr>
-              <a:buNone/>
-            </a:pPr>
-            <a:r>
-              <a:rPr lang="en-US" baseline="0" dirty="0"/>
-              <a:t>A label is also used for the av. Band. On the node to keep track of the allocated band. …</a:t>
-            </a:r>
-          </a:p>
-          <a:p>
-            <a:pPr>
-              <a:buNone/>
-            </a:pPr>
-            <a:endParaRPr lang="en-US" baseline="0" dirty="0"/>
-          </a:p>
           <a:p>
             <a:pPr>
               <a:buNone/>
@@ -2207,19 +1519,7 @@
             <a:pPr>
               <a:buNone/>
             </a:pPr>
-            <a:r>
-              <a:rPr lang="en-US" dirty="0"/>
-              <a:t>Waste Management is viewed as one of the key services enabled by IoT technology in future Smart Cities [27]. Waste bins are located everywhere (e.g. restaurants, office buildings, retail stores), but picking up garbage has been traditionally an inefficient service for years. Garbage trucks follow a given route without knowing if bins are empty or full. Another issue is that waste bins may get overloaded before the planned cleaning. This results in high maintenance and fuel costs. IoT can tackle this issue by collecting waste bin data. For instance, sensors can be installed into waste bins to tell which bins are full. Furthermore, by sending the collected data to a fog- Cloud infrastructure, route planning services can be executed</a:t>
-            </a:r>
-          </a:p>
-          <a:p>
-            <a:pPr>
-              <a:buNone/>
-            </a:pPr>
-            <a:r>
-              <a:rPr lang="en-US" dirty="0"/>
-              <a:t>to find the optimal route for each truck based on bin fill levels. Thus, drivers do not waste time driving to empty bins and broken bins may be repaired quickly. Trucks and drivers can access this service through a dashboard available as a mobile application, enabling them to improve their customer service. Therefore, an IoT-based waste management service provides a more efficient waste collection through route optimization and higher driver productivity. The objective of this use case is to enable the real-time access to waste bin information. In Fig. 5, the container-based SFC for the waste management use case is illustrated and the correspondent deployment requirements are shown in Table III.</a:t>
-            </a:r>
+            <a:endParaRPr lang="en-US" dirty="0"/>
           </a:p>
         </p:txBody>
       </p:sp>
@@ -2288,28 +1588,7 @@
             <a:pPr>
               <a:buNone/>
             </a:pPr>
-            <a:r>
-              <a:rPr lang="en-US" dirty="0"/>
-              <a:t>Over the last few years, crowd surveillance has become increasingly important due to the possibility of identifying individuals or even objects in highly crowded areas. Nevertheless,</a:t>
-            </a:r>
-          </a:p>
-          <a:p>
-            <a:pPr>
-              <a:buNone/>
-            </a:pPr>
-            <a:r>
-              <a:rPr lang="en-US" dirty="0"/>
-              <a:t>several issues still need to be addressed, including data transfer over limited bandwidth and high latency in sensor-Cloud communication. For instance, imagine a surveillance camera requiring a continuous streaming bandwidth of 15 Mb/s. Sending the entire data from the video camera to the Cloud translates into approximately 4.86 TB/monthly for a single camera. Therefore, it is essential to adopt Fog infrastructures to perform data analysis operations locally, thus reducing the amount of data transferred to the Cloud. Surveillance cameras placed on particular streets or crowded areas send continuous video streams to a Fog-Cloud infrastructure where face recognition algorithms are performed in a distributed manner. Fog nodes located close to the surveillance cameras receive their video streams and perform a first-level analysis, such as face detection and feature extraction tasks. Then, Fog nodes send the results to the Cloud for global analysis operations, such as face matching and recognition operations. Afterwards, global outcomes can be presented in a central dashboard in a control room. Additionally, police officers may access the detection results through a mobile application. This distributed approach has been previously presented in [28], as a proper manner to enable anomaly detection in Fog Computing architectures for delay-sensitive IoT services. An IoT-based surveillance camera service provides a more efficient way of recognizing individuals in crowded areas by</a:t>
-            </a:r>
-          </a:p>
-          <a:p>
-            <a:pPr>
-              <a:buNone/>
-            </a:pPr>
-            <a:r>
-              <a:rPr lang="en-US" dirty="0"/>
-              <a:t>distributing tasks between Fog and Cloud. The objective of this use case is to provide a near real-time face detection system.</a:t>
-            </a:r>
+            <a:endParaRPr lang="en-US" dirty="0"/>
           </a:p>
         </p:txBody>
       </p:sp>
@@ -2454,10 +1733,7 @@
             <a:pPr>
               <a:buNone/>
             </a:pPr>
-            <a:r>
-              <a:rPr lang="en-US" dirty="0"/>
-              <a:t>Now, I am going to show you some of our results…</a:t>
-            </a:r>
+            <a:endParaRPr lang="en-US" dirty="0"/>
           </a:p>
         </p:txBody>
       </p:sp>
@@ -2522,21 +1798,6 @@
         <p:txBody>
           <a:bodyPr/>
           <a:lstStyle/>
-          <a:p>
-            <a:pPr>
-              <a:buNone/>
-            </a:pPr>
-            <a:r>
-              <a:rPr lang="en-US" dirty="0"/>
-              <a:t>Today, I am going to talk about…</a:t>
-            </a:r>
-          </a:p>
-          <a:p>
-            <a:pPr>
-              <a:buNone/>
-            </a:pPr>
-            <a:endParaRPr lang="en-US" dirty="0"/>
-          </a:p>
           <a:p>
             <a:pPr>
               <a:buNone/>
@@ -2610,87 +1871,6 @@
             <a:pPr>
               <a:buNone/>
             </a:pPr>
-            <a:r>
-              <a:rPr lang="en-US" dirty="0"/>
-              <a:t>On average KS decides in 3ms. The extender call is not issued thus the 0ms.</a:t>
-            </a:r>
-          </a:p>
-          <a:p>
-            <a:pPr>
-              <a:buNone/>
-            </a:pPr>
-            <a:endParaRPr lang="en-US" dirty="0"/>
-          </a:p>
-          <a:p>
-            <a:pPr>
-              <a:buNone/>
-            </a:pPr>
-            <a:r>
-              <a:rPr lang="en-US" dirty="0"/>
-              <a:t>Our</a:t>
-            </a:r>
-            <a:r>
-              <a:rPr lang="en-US" baseline="0" dirty="0"/>
-              <a:t> scheduler takes longer since the extender call is issued to decide in terms of latency and Band. The SFC controller requires on average between 6 - 7 </a:t>
-            </a:r>
-            <a:r>
-              <a:rPr lang="en-US" baseline="0" dirty="0" err="1"/>
-              <a:t>ms.</a:t>
-            </a:r>
-            <a:endParaRPr lang="en-US" baseline="0" dirty="0"/>
-          </a:p>
-          <a:p>
-            <a:pPr>
-              <a:buNone/>
-            </a:pPr>
-            <a:endParaRPr lang="en-US" baseline="0" dirty="0"/>
-          </a:p>
-          <a:p>
-            <a:pPr>
-              <a:buNone/>
-            </a:pPr>
-            <a:r>
-              <a:rPr lang="en-US" baseline="0" dirty="0"/>
-              <a:t>Essentially, our approach takes 6 - 8 </a:t>
-            </a:r>
-            <a:r>
-              <a:rPr lang="en-US" baseline="0" dirty="0" err="1"/>
-              <a:t>ms</a:t>
-            </a:r>
-            <a:r>
-              <a:rPr lang="en-US" baseline="0" dirty="0"/>
-              <a:t> more than the KS.</a:t>
-            </a:r>
-          </a:p>
-          <a:p>
-            <a:pPr>
-              <a:buNone/>
-            </a:pPr>
-            <a:endParaRPr lang="en-US" baseline="0" dirty="0"/>
-          </a:p>
-          <a:p>
-            <a:pPr>
-              <a:buNone/>
-            </a:pPr>
-            <a:r>
-              <a:rPr lang="en-US" baseline="0" dirty="0"/>
-              <a:t>The pod startup time is the time between the submission of the pod configuration file to the Kubernetes API and until the pod is deployed on a given node and ready to be used. Both KS and SFC controller require on average 3 seconds.</a:t>
-            </a:r>
-          </a:p>
-          <a:p>
-            <a:pPr>
-              <a:buNone/>
-            </a:pPr>
-            <a:endParaRPr lang="en-US" baseline="0" dirty="0"/>
-          </a:p>
-          <a:p>
-            <a:pPr>
-              <a:buNone/>
-            </a:pPr>
-            <a:r>
-              <a:rPr lang="en-US" baseline="0" dirty="0"/>
-              <a:t>Now, let’s see if by increasing the scheduling decision in 6ms we could gain in other aspects…</a:t>
-            </a:r>
             <a:endParaRPr lang="en-US" dirty="0"/>
           </a:p>
         </p:txBody>
@@ -2756,47 +1936,6 @@
         <p:txBody>
           <a:bodyPr/>
           <a:lstStyle/>
-          <a:p>
-            <a:pPr>
-              <a:buNone/>
-            </a:pPr>
-            <a:r>
-              <a:rPr lang="en-US" baseline="0" dirty="0"/>
-              <a:t>As expected, the KS deployment scheme is not optimized for the service’s desired location or service latency, since no considerations are made about</a:t>
-            </a:r>
-          </a:p>
-          <a:p>
-            <a:pPr>
-              <a:buNone/>
-            </a:pPr>
-            <a:r>
-              <a:rPr lang="en-US" baseline="0" dirty="0"/>
-              <a:t>location or latency in its scheduling algorithm. Thus, KS allocates multiple pods on a single node since it tries to balance the load in the cluster according to CPU and RAM usage rates.</a:t>
-            </a:r>
-          </a:p>
-          <a:p>
-            <a:pPr>
-              <a:buNone/>
-            </a:pPr>
-            <a:endParaRPr lang="en-US" baseline="0" dirty="0"/>
-          </a:p>
-          <a:p>
-            <a:pPr>
-              <a:buNone/>
-            </a:pPr>
-            <a:r>
-              <a:rPr lang="en-US" baseline="0" dirty="0"/>
-              <a:t>For instance, the KS allocation scheme for the route planner or the </a:t>
-            </a:r>
-            <a:r>
-              <a:rPr lang="en-US" baseline="0" dirty="0" err="1"/>
-              <a:t>fm-recog</a:t>
-            </a:r>
-            <a:r>
-              <a:rPr lang="en-US" baseline="0" dirty="0"/>
-              <a:t> service is fairly poor since no pods are deployed in the preferred location (Brussels).</a:t>
-            </a:r>
-          </a:p>
           <a:p>
             <a:pPr>
               <a:buNone/>
@@ -2870,10 +2009,7 @@
             <a:pPr>
               <a:buNone/>
             </a:pPr>
-            <a:r>
-              <a:rPr lang="en-US" b="0" dirty="0"/>
-              <a:t>In Fig. 8, the expected service latency for each of the schedulers is detailed. As shown, the proposed SFC-controller achieves lower delays for each of the deployed services when compared with the default KS. In spite of overloading several nodes, KS is not able to find optimal paths for the SFCs. The proposed SFC controller can optimize the SFC latency while conserving network bandwidth. In this particular allocation scheme, the SFC-controller improves the performance of the default KS by reducing the network latency by 18%.</a:t>
-            </a:r>
+            <a:endParaRPr lang="en-US" b="0" dirty="0"/>
           </a:p>
         </p:txBody>
       </p:sp>
@@ -2942,10 +2078,7 @@
             <a:pPr>
               <a:buNone/>
             </a:pPr>
-            <a:r>
-              <a:rPr lang="en-US" b="0" dirty="0"/>
-              <a:t>In Table VII, the expected service bandwidth per node for the different scheduling approaches is presented. It should be noted that bandwidth values in bold mean that the cluster node is overloaded based on the available bandwidth previously shown in Fig. 4. As shown, KS allocates pods on nodes already compromised in terms of network bandwidth. For instance, KS overloads worker 1 and 4 by allocating to them at least 4 pods leading to service bandwidths of 26.0 Mbit/s and 36.5 Mbit/s for the workers 1 and 4, respectively, which surpasses the available bandwidth of 10.0 Mbit/s. This provisioning scheme may lead to service disruptions due to bandwidth fluctuations. In contrast, the proposed SFC controller takes into account the available bandwidth while making scheduling decisions, which leads to informed decisions not only in terms of latency but also in terms of bandwidth.</a:t>
-            </a:r>
+            <a:endParaRPr lang="en-US" b="0" dirty="0"/>
           </a:p>
         </p:txBody>
       </p:sp>
@@ -3014,44 +2147,6 @@
             <a:pPr>
               <a:buNone/>
             </a:pPr>
-            <a:r>
-              <a:rPr lang="en-US" dirty="0"/>
-              <a:t>SFC allocation for IoT in Fog Computing based</a:t>
-            </a:r>
-            <a:r>
-              <a:rPr lang="en-US" baseline="0" dirty="0"/>
-              <a:t> on latency &amp; band. Validated in Kubernetes</a:t>
-            </a:r>
-          </a:p>
-          <a:p>
-            <a:pPr>
-              <a:buNone/>
-            </a:pPr>
-            <a:endParaRPr lang="en-US" baseline="0" dirty="0"/>
-          </a:p>
-          <a:p>
-            <a:pPr>
-              <a:buNone/>
-            </a:pPr>
-            <a:r>
-              <a:rPr lang="en-US" baseline="0" dirty="0"/>
-              <a:t>We obtained a reduction of 18% (service latency) when compared with the default KS.</a:t>
-            </a:r>
-          </a:p>
-          <a:p>
-            <a:pPr>
-              <a:buNone/>
-            </a:pPr>
-            <a:endParaRPr lang="en-US" baseline="0" dirty="0"/>
-          </a:p>
-          <a:p>
-            <a:pPr>
-              <a:buNone/>
-            </a:pPr>
-            <a:r>
-              <a:rPr lang="en-US" baseline="0" dirty="0"/>
-              <a:t>As future work, dynamic strategies will be added to our SFC controller to further refine the allocation scheme in terms of bandwidth fluctuations and delay changes.</a:t>
-            </a:r>
             <a:endParaRPr lang="en-US" dirty="0"/>
           </a:p>
         </p:txBody>
@@ -3121,10 +2216,7 @@
             <a:pPr>
               <a:buNone/>
             </a:pPr>
-            <a:r>
-              <a:rPr lang="en-US" dirty="0"/>
-              <a:t>Let me say that if you are interested in trying out our software or learn more about our approach, you have here the GitHub URL. </a:t>
-            </a:r>
+            <a:endParaRPr lang="en-US" dirty="0"/>
           </a:p>
         </p:txBody>
       </p:sp>
@@ -3331,17 +2423,6 @@
             <a:pPr>
               <a:buNone/>
             </a:pPr>
-            <a:r>
-              <a:rPr lang="en-US" sz="1100" b="0" i="0" u="none" strike="noStrike" kern="1200" baseline="0" dirty="0">
-                <a:solidFill>
-                  <a:schemeClr val="tx1"/>
-                </a:solidFill>
-                <a:latin typeface="+mn-lt"/>
-                <a:ea typeface="+mn-ea"/>
-                <a:cs typeface="+mn-cs"/>
-              </a:rPr>
-              <a:t>In Fig. 9, the execution time per Pod of the SFC controller extender call is shown. The number of service replicas is increased to evaluate how the SFC controller handles the allocation of a high number of service instances in the Service Chain. As shown, the extender decision time decreases while the number of service replicas increases, since only a small amount of nodes will still be free in terms of resources, specifically in terms of bandwidth based on the previously presented infrastructure. Increasing the number of replicas will also lead to pod evictions since nodes will already be exhausted and no node will be available for the service allocation. Nevertheless, the SFC controller can cope with a high number of replicas without compromising the decision time as long as resources are available.</a:t>
-            </a:r>
             <a:endParaRPr lang="en-US" b="1" dirty="0"/>
           </a:p>
         </p:txBody>
@@ -3411,17 +2492,6 @@
             <a:pPr>
               <a:buNone/>
             </a:pPr>
-            <a:r>
-              <a:rPr lang="en-US" sz="1100" b="0" i="0" u="none" strike="noStrike" kern="1200" baseline="0" dirty="0">
-                <a:solidFill>
-                  <a:schemeClr val="tx1"/>
-                </a:solidFill>
-                <a:latin typeface="+mn-lt"/>
-                <a:ea typeface="+mn-ea"/>
-                <a:cs typeface="+mn-cs"/>
-              </a:rPr>
-              <a:t>Fog Computing aims to provide a distributed cloud infrastructure by placing computational resources close to end-users.</a:t>
-            </a:r>
             <a:endParaRPr lang="en-US" dirty="0"/>
           </a:p>
         </p:txBody>
@@ -3487,178 +2557,6 @@
         <p:txBody>
           <a:bodyPr/>
           <a:lstStyle/>
-          <a:p>
-            <a:pPr marL="0" marR="0" lvl="0" indent="0" algn="l" defTabSz="914400" rtl="0" eaLnBrk="1" fontAlgn="auto" latinLnBrk="0" hangingPunct="1">
-              <a:lnSpc>
-                <a:spcPct val="100000"/>
-              </a:lnSpc>
-              <a:spcBef>
-                <a:spcPts val="0"/>
-              </a:spcBef>
-              <a:spcAft>
-                <a:spcPts val="0"/>
-              </a:spcAft>
-              <a:buClrTx/>
-              <a:buSzTx/>
-              <a:buFontTx/>
-              <a:buNone/>
-              <a:tabLst/>
-              <a:defRPr/>
-            </a:pPr>
-            <a:r>
-              <a:rPr lang="en-US" sz="1100" dirty="0">
-                <a:latin typeface="UGent Panno Text" panose="020B0604020202020204" charset="0"/>
-              </a:rPr>
-              <a:t>To fully leverage on NFV, services must be connected in a specific order forming a Service Function Chain (SFC). SFCs allow mobile operators to benefit from the</a:t>
-            </a:r>
-          </a:p>
-          <a:p>
-            <a:pPr marL="0" marR="0" lvl="0" indent="0" algn="l" defTabSz="914400" rtl="0" eaLnBrk="1" fontAlgn="auto" latinLnBrk="0" hangingPunct="1">
-              <a:lnSpc>
-                <a:spcPct val="100000"/>
-              </a:lnSpc>
-              <a:spcBef>
-                <a:spcPts val="0"/>
-              </a:spcBef>
-              <a:spcAft>
-                <a:spcPts val="0"/>
-              </a:spcAft>
-              <a:buClrTx/>
-              <a:buSzTx/>
-              <a:buFontTx/>
-              <a:buNone/>
-              <a:tabLst/>
-              <a:defRPr/>
-            </a:pPr>
-            <a:r>
-              <a:rPr lang="en-US" sz="1100" dirty="0">
-                <a:latin typeface="UGent Panno Text" panose="020B0604020202020204" charset="0"/>
-              </a:rPr>
-              <a:t>high flexibility and low operational costs introduced by network softwarization.</a:t>
-            </a:r>
-          </a:p>
-          <a:p>
-            <a:pPr marL="0" marR="0" lvl="0" indent="0" algn="l" defTabSz="914400" rtl="0" eaLnBrk="1" fontAlgn="auto" latinLnBrk="0" hangingPunct="1">
-              <a:lnSpc>
-                <a:spcPct val="100000"/>
-              </a:lnSpc>
-              <a:spcBef>
-                <a:spcPts val="0"/>
-              </a:spcBef>
-              <a:spcAft>
-                <a:spcPts val="0"/>
-              </a:spcAft>
-              <a:buClrTx/>
-              <a:buSzTx/>
-              <a:buFontTx/>
-              <a:buNone/>
-              <a:tabLst/>
-              <a:defRPr/>
-            </a:pPr>
-            <a:endParaRPr lang="en-US" sz="1100" dirty="0">
-              <a:latin typeface="UGent Panno Text" panose="020B0604020202020204" charset="0"/>
-            </a:endParaRPr>
-          </a:p>
-          <a:p>
-            <a:pPr marL="0" marR="0" lvl="0" indent="0" algn="l" defTabSz="914400" rtl="0" eaLnBrk="1" fontAlgn="auto" latinLnBrk="0" hangingPunct="1">
-              <a:lnSpc>
-                <a:spcPct val="100000"/>
-              </a:lnSpc>
-              <a:spcBef>
-                <a:spcPts val="0"/>
-              </a:spcBef>
-              <a:spcAft>
-                <a:spcPts val="0"/>
-              </a:spcAft>
-              <a:buClrTx/>
-              <a:buSzTx/>
-              <a:buFontTx/>
-              <a:buNone/>
-              <a:tabLst/>
-              <a:defRPr/>
-            </a:pPr>
-            <a:r>
-              <a:rPr lang="en-US" sz="1100" dirty="0">
-                <a:latin typeface="UGent Panno Text" panose="020B0604020202020204" charset="0"/>
-              </a:rPr>
-              <a:t>Services must be connected in a specific order forming an SFC that each user must traverse to achieve a Network Service</a:t>
-            </a:r>
-          </a:p>
-          <a:p>
-            <a:pPr marL="0" marR="0" lvl="0" indent="0" algn="l" defTabSz="914400" rtl="0" eaLnBrk="1" fontAlgn="auto" latinLnBrk="0" hangingPunct="1">
-              <a:lnSpc>
-                <a:spcPct val="100000"/>
-              </a:lnSpc>
-              <a:spcBef>
-                <a:spcPts val="0"/>
-              </a:spcBef>
-              <a:spcAft>
-                <a:spcPts val="0"/>
-              </a:spcAft>
-              <a:buClrTx/>
-              <a:buSzTx/>
-              <a:buFontTx/>
-              <a:buNone/>
-              <a:tabLst/>
-              <a:defRPr/>
-            </a:pPr>
-            <a:endParaRPr lang="en-US" sz="1100" dirty="0">
-              <a:latin typeface="UGent Panno Text" panose="020B0604020202020204" charset="0"/>
-            </a:endParaRPr>
-          </a:p>
-          <a:p>
-            <a:pPr marL="0" marR="0" lvl="0" indent="0" algn="l" defTabSz="914400" rtl="0" eaLnBrk="1" fontAlgn="auto" latinLnBrk="0" hangingPunct="1">
-              <a:lnSpc>
-                <a:spcPct val="100000"/>
-              </a:lnSpc>
-              <a:spcBef>
-                <a:spcPts val="0"/>
-              </a:spcBef>
-              <a:spcAft>
-                <a:spcPts val="0"/>
-              </a:spcAft>
-              <a:buClrTx/>
-              <a:buSzTx/>
-              <a:buFontTx/>
-              <a:buNone/>
-              <a:tabLst/>
-              <a:defRPr/>
-            </a:pPr>
-            <a:r>
-              <a:rPr lang="en-US" sz="1100" b="0" i="0" u="none" strike="noStrike" kern="1200" baseline="0" dirty="0">
-                <a:solidFill>
-                  <a:schemeClr val="tx1"/>
-                </a:solidFill>
-                <a:latin typeface="+mn-lt"/>
-                <a:ea typeface="+mn-ea"/>
-                <a:cs typeface="+mn-cs"/>
-              </a:rPr>
-              <a:t>However, most SFC research only focuses on Multi-access Edge Computing (MEC) use cases where mobile operators aim to deploy services close to end-users. Bi-directional communication between Edges and Cloud are not considered in MEC, which in contrast is highly important in a Fog environment as in distributed anomaly detection services.</a:t>
-            </a:r>
-            <a:endParaRPr lang="en-US" dirty="0"/>
-          </a:p>
-          <a:p>
-            <a:pPr marL="0" marR="0" lvl="0" indent="0" algn="l" defTabSz="914400" rtl="0" eaLnBrk="1" fontAlgn="auto" latinLnBrk="0" hangingPunct="1">
-              <a:lnSpc>
-                <a:spcPct val="100000"/>
-              </a:lnSpc>
-              <a:spcBef>
-                <a:spcPts val="0"/>
-              </a:spcBef>
-              <a:spcAft>
-                <a:spcPts val="0"/>
-              </a:spcAft>
-              <a:buClrTx/>
-              <a:buSzTx/>
-              <a:buFontTx/>
-              <a:buNone/>
-              <a:tabLst/>
-              <a:defRPr/>
-            </a:pPr>
-            <a:endParaRPr lang="en-US" sz="1100" dirty="0">
-              <a:latin typeface="UGent Panno Text" panose="020B0604020202020204" charset="0"/>
-            </a:endParaRPr>
-          </a:p>
           <a:p>
             <a:endParaRPr lang="en-US" dirty="0"/>
           </a:p>
@@ -3729,25 +2627,6 @@
             <a:pPr>
               <a:buNone/>
             </a:pPr>
-            <a:r>
-              <a:rPr lang="en-US" baseline="0" dirty="0"/>
-              <a:t>So how can he support SFC in Fog Computing?</a:t>
-            </a:r>
-          </a:p>
-          <a:p>
-            <a:pPr>
-              <a:buNone/>
-            </a:pPr>
-            <a:endParaRPr lang="en-US" baseline="0" dirty="0"/>
-          </a:p>
-          <a:p>
-            <a:pPr>
-              <a:buNone/>
-            </a:pPr>
-            <a:r>
-              <a:rPr lang="en-US" baseline="0" dirty="0"/>
-              <a:t>This question is answered next…</a:t>
-            </a:r>
             <a:endParaRPr lang="en-US" dirty="0"/>
           </a:p>
         </p:txBody>
@@ -3826,351 +2705,6 @@
               <a:cs typeface="+mn-cs"/>
             </a:endParaRPr>
           </a:p>
-          <a:p>
-            <a:pPr>
-              <a:buNone/>
-            </a:pPr>
-            <a:r>
-              <a:rPr lang="en-US" sz="1100" b="0" i="0" u="none" strike="noStrike" kern="1200" baseline="0" dirty="0">
-                <a:solidFill>
-                  <a:schemeClr val="tx1"/>
-                </a:solidFill>
-                <a:latin typeface="+mn-lt"/>
-                <a:ea typeface="+mn-ea"/>
-                <a:cs typeface="+mn-cs"/>
-              </a:rPr>
-              <a:t>So he tried to see if we could apply SFC concepts in Kubernetes…</a:t>
-            </a:r>
-          </a:p>
-          <a:p>
-            <a:pPr>
-              <a:buNone/>
-            </a:pPr>
-            <a:endParaRPr lang="en-US" sz="1100" b="0" i="0" u="none" strike="noStrike" kern="1200" baseline="0" dirty="0">
-              <a:solidFill>
-                <a:schemeClr val="tx1"/>
-              </a:solidFill>
-              <a:latin typeface="+mn-lt"/>
-              <a:ea typeface="+mn-ea"/>
-              <a:cs typeface="+mn-cs"/>
-            </a:endParaRPr>
-          </a:p>
-          <a:p>
-            <a:pPr marL="0" marR="0" lvl="0" indent="0" algn="l" defTabSz="914400" rtl="0" eaLnBrk="1" fontAlgn="auto" latinLnBrk="0" hangingPunct="1">
-              <a:lnSpc>
-                <a:spcPct val="100000"/>
-              </a:lnSpc>
-              <a:spcBef>
-                <a:spcPts val="0"/>
-              </a:spcBef>
-              <a:spcAft>
-                <a:spcPts val="0"/>
-              </a:spcAft>
-              <a:buClrTx/>
-              <a:buSzTx/>
-              <a:buFontTx/>
-              <a:buNone/>
-              <a:tabLst/>
-              <a:defRPr/>
-            </a:pPr>
-            <a:r>
-              <a:rPr lang="en-US" sz="1100" b="0" i="0" u="none" strike="noStrike" kern="1200" baseline="0" dirty="0">
-                <a:solidFill>
-                  <a:schemeClr val="tx1"/>
-                </a:solidFill>
-                <a:latin typeface="+mn-lt"/>
-                <a:ea typeface="+mn-ea"/>
-                <a:cs typeface="+mn-cs"/>
-              </a:rPr>
-              <a:t>Kubernetes is essentially an open-source orchestration platform for containerized applications. </a:t>
-            </a:r>
-          </a:p>
-          <a:p>
-            <a:pPr>
-              <a:buNone/>
-            </a:pPr>
-            <a:endParaRPr lang="en-US" sz="1100" b="0" i="0" u="none" strike="noStrike" kern="1200" baseline="0" dirty="0">
-              <a:solidFill>
-                <a:schemeClr val="tx1"/>
-              </a:solidFill>
-              <a:latin typeface="+mn-lt"/>
-              <a:ea typeface="+mn-ea"/>
-              <a:cs typeface="+mn-cs"/>
-            </a:endParaRPr>
-          </a:p>
-          <a:p>
-            <a:pPr marL="0" marR="0" lvl="0" indent="0" algn="l" defTabSz="914400" rtl="0" eaLnBrk="1" fontAlgn="auto" latinLnBrk="0" hangingPunct="1">
-              <a:lnSpc>
-                <a:spcPct val="100000"/>
-              </a:lnSpc>
-              <a:spcBef>
-                <a:spcPts val="0"/>
-              </a:spcBef>
-              <a:spcAft>
-                <a:spcPts val="0"/>
-              </a:spcAft>
-              <a:buClrTx/>
-              <a:buSzTx/>
-              <a:buFontTx/>
-              <a:buNone/>
-              <a:tabLst/>
-              <a:defRPr/>
-            </a:pPr>
-            <a:r>
-              <a:rPr lang="en-US" sz="1100" b="0" i="0" u="none" strike="noStrike" kern="1200" baseline="0" dirty="0">
-                <a:solidFill>
-                  <a:schemeClr val="tx1"/>
-                </a:solidFill>
-                <a:latin typeface="+mn-lt"/>
-                <a:ea typeface="+mn-ea"/>
-                <a:cs typeface="+mn-cs"/>
-              </a:rPr>
-              <a:t>Kubernetes simplifies the deployment of reliable, scalable distributed systems by managing their complete life-cycle work-flow. </a:t>
-            </a:r>
-          </a:p>
-          <a:p>
-            <a:pPr marL="0" marR="0" lvl="0" indent="0" algn="l" defTabSz="914400" rtl="0" eaLnBrk="1" fontAlgn="auto" latinLnBrk="0" hangingPunct="1">
-              <a:lnSpc>
-                <a:spcPct val="100000"/>
-              </a:lnSpc>
-              <a:spcBef>
-                <a:spcPts val="0"/>
-              </a:spcBef>
-              <a:spcAft>
-                <a:spcPts val="0"/>
-              </a:spcAft>
-              <a:buClrTx/>
-              <a:buSzTx/>
-              <a:buFontTx/>
-              <a:buNone/>
-              <a:tabLst/>
-              <a:defRPr/>
-            </a:pPr>
-            <a:endParaRPr lang="en-US" sz="1100" b="0" i="0" u="none" strike="noStrike" kern="1200" baseline="0" dirty="0">
-              <a:solidFill>
-                <a:schemeClr val="tx1"/>
-              </a:solidFill>
-              <a:latin typeface="+mn-lt"/>
-              <a:ea typeface="+mn-ea"/>
-              <a:cs typeface="+mn-cs"/>
-            </a:endParaRPr>
-          </a:p>
-          <a:p>
-            <a:pPr marL="0" marR="0" lvl="0" indent="0" algn="l" defTabSz="914400" rtl="0" eaLnBrk="1" fontAlgn="auto" latinLnBrk="0" hangingPunct="1">
-              <a:lnSpc>
-                <a:spcPct val="100000"/>
-              </a:lnSpc>
-              <a:spcBef>
-                <a:spcPts val="0"/>
-              </a:spcBef>
-              <a:spcAft>
-                <a:spcPts val="0"/>
-              </a:spcAft>
-              <a:buClrTx/>
-              <a:buSzTx/>
-              <a:buFontTx/>
-              <a:buNone/>
-              <a:tabLst/>
-              <a:defRPr/>
-            </a:pPr>
-            <a:r>
-              <a:rPr lang="en-US" sz="1100" b="0" i="0" u="none" strike="noStrike" kern="1200" baseline="0" dirty="0">
-                <a:solidFill>
-                  <a:schemeClr val="tx1"/>
-                </a:solidFill>
-                <a:latin typeface="+mn-lt"/>
-                <a:ea typeface="+mn-ea"/>
-                <a:cs typeface="+mn-cs"/>
-              </a:rPr>
-              <a:t>Kubernetes enables the automatic scaling of containers through Docker </a:t>
-            </a:r>
-          </a:p>
-          <a:p>
-            <a:pPr marL="0" marR="0" lvl="0" indent="0" algn="l" defTabSz="914400" rtl="0" eaLnBrk="1" fontAlgn="auto" latinLnBrk="0" hangingPunct="1">
-              <a:lnSpc>
-                <a:spcPct val="100000"/>
-              </a:lnSpc>
-              <a:spcBef>
-                <a:spcPts val="0"/>
-              </a:spcBef>
-              <a:spcAft>
-                <a:spcPts val="0"/>
-              </a:spcAft>
-              <a:buClrTx/>
-              <a:buSzTx/>
-              <a:buFontTx/>
-              <a:buNone/>
-              <a:tabLst/>
-              <a:defRPr/>
-            </a:pPr>
-            <a:endParaRPr lang="en-US" sz="1100" b="0" i="0" u="none" strike="noStrike" kern="1200" baseline="0" dirty="0">
-              <a:solidFill>
-                <a:schemeClr val="tx1"/>
-              </a:solidFill>
-              <a:latin typeface="+mn-lt"/>
-              <a:ea typeface="+mn-ea"/>
-              <a:cs typeface="+mn-cs"/>
-            </a:endParaRPr>
-          </a:p>
-          <a:p>
-            <a:pPr marL="0" marR="0" lvl="0" indent="0" algn="l" defTabSz="914400" rtl="0" eaLnBrk="1" fontAlgn="auto" latinLnBrk="0" hangingPunct="1">
-              <a:lnSpc>
-                <a:spcPct val="100000"/>
-              </a:lnSpc>
-              <a:spcBef>
-                <a:spcPts val="0"/>
-              </a:spcBef>
-              <a:spcAft>
-                <a:spcPts val="0"/>
-              </a:spcAft>
-              <a:buClrTx/>
-              <a:buSzTx/>
-              <a:buFontTx/>
-              <a:buNone/>
-              <a:tabLst/>
-              <a:defRPr/>
-            </a:pPr>
-            <a:r>
-              <a:rPr lang="en-US" sz="1100" b="0" i="0" u="none" strike="noStrike" kern="1200" baseline="0" dirty="0">
-                <a:solidFill>
-                  <a:schemeClr val="tx1"/>
-                </a:solidFill>
-                <a:latin typeface="+mn-lt"/>
-                <a:ea typeface="+mn-ea"/>
-                <a:cs typeface="+mn-cs"/>
-              </a:rPr>
-              <a:t>Kubernetes has a massive open source community which is constantly working towards its improvement</a:t>
-            </a:r>
-          </a:p>
-          <a:p>
-            <a:pPr marL="0" marR="0" lvl="0" indent="0" algn="l" defTabSz="914400" rtl="0" eaLnBrk="1" fontAlgn="auto" latinLnBrk="0" hangingPunct="1">
-              <a:lnSpc>
-                <a:spcPct val="100000"/>
-              </a:lnSpc>
-              <a:spcBef>
-                <a:spcPts val="0"/>
-              </a:spcBef>
-              <a:spcAft>
-                <a:spcPts val="0"/>
-              </a:spcAft>
-              <a:buClrTx/>
-              <a:buSzTx/>
-              <a:buFontTx/>
-              <a:buNone/>
-              <a:tabLst/>
-              <a:defRPr/>
-            </a:pPr>
-            <a:endParaRPr lang="en-US" sz="1100" b="0" i="0" u="none" strike="noStrike" kern="1200" baseline="0" dirty="0">
-              <a:solidFill>
-                <a:schemeClr val="tx1"/>
-              </a:solidFill>
-              <a:latin typeface="+mn-lt"/>
-              <a:ea typeface="+mn-ea"/>
-              <a:cs typeface="+mn-cs"/>
-            </a:endParaRPr>
-          </a:p>
-          <a:p>
-            <a:pPr marL="0" marR="0" lvl="0" indent="0" algn="l" defTabSz="914400" rtl="0" eaLnBrk="1" fontAlgn="auto" latinLnBrk="0" hangingPunct="1">
-              <a:lnSpc>
-                <a:spcPct val="100000"/>
-              </a:lnSpc>
-              <a:spcBef>
-                <a:spcPts val="0"/>
-              </a:spcBef>
-              <a:spcAft>
-                <a:spcPts val="0"/>
-              </a:spcAft>
-              <a:buClrTx/>
-              <a:buSzTx/>
-              <a:buFontTx/>
-              <a:buNone/>
-              <a:tabLst/>
-              <a:defRPr/>
-            </a:pPr>
-            <a:r>
-              <a:rPr lang="en-US" sz="1100" b="0" i="0" u="none" strike="noStrike" kern="1200" baseline="0" dirty="0">
-                <a:solidFill>
-                  <a:schemeClr val="tx1"/>
-                </a:solidFill>
-                <a:latin typeface="+mn-lt"/>
-                <a:ea typeface="+mn-ea"/>
-                <a:cs typeface="+mn-cs"/>
-              </a:rPr>
-              <a:t>Due to all of this, Kubernetes is positioning itself as the de facto platform for the orchestration of container based services.</a:t>
-            </a:r>
-          </a:p>
-          <a:p>
-            <a:pPr marL="0" marR="0" lvl="0" indent="0" algn="l" defTabSz="914400" rtl="0" eaLnBrk="1" fontAlgn="auto" latinLnBrk="0" hangingPunct="1">
-              <a:lnSpc>
-                <a:spcPct val="100000"/>
-              </a:lnSpc>
-              <a:spcBef>
-                <a:spcPts val="0"/>
-              </a:spcBef>
-              <a:spcAft>
-                <a:spcPts val="0"/>
-              </a:spcAft>
-              <a:buClrTx/>
-              <a:buSzTx/>
-              <a:buFontTx/>
-              <a:buNone/>
-              <a:tabLst/>
-              <a:defRPr/>
-            </a:pPr>
-            <a:endParaRPr lang="en-US" sz="1100" b="0" i="0" u="none" strike="noStrike" kern="1200" baseline="0" dirty="0">
-              <a:solidFill>
-                <a:schemeClr val="tx1"/>
-              </a:solidFill>
-              <a:latin typeface="+mn-lt"/>
-              <a:ea typeface="+mn-ea"/>
-              <a:cs typeface="+mn-cs"/>
-            </a:endParaRPr>
-          </a:p>
-          <a:p>
-            <a:pPr>
-              <a:buNone/>
-            </a:pPr>
-            <a:r>
-              <a:rPr lang="en-US" sz="1100" b="0" i="0" u="none" strike="noStrike" kern="1200" baseline="0" dirty="0">
-                <a:solidFill>
-                  <a:schemeClr val="tx1"/>
-                </a:solidFill>
-                <a:latin typeface="+mn-lt"/>
-                <a:ea typeface="+mn-ea"/>
-                <a:cs typeface="+mn-cs"/>
-              </a:rPr>
-              <a:t>Now, you will learn about the main features/characteristics of the Kubernetes architecture.</a:t>
-            </a:r>
-          </a:p>
-          <a:p>
-            <a:pPr>
-              <a:buNone/>
-            </a:pPr>
-            <a:endParaRPr lang="en-US" sz="1100" b="0" i="0" u="none" strike="noStrike" kern="1200" baseline="0" dirty="0">
-              <a:solidFill>
-                <a:schemeClr val="tx1"/>
-              </a:solidFill>
-              <a:latin typeface="+mn-lt"/>
-              <a:ea typeface="+mn-ea"/>
-              <a:cs typeface="+mn-cs"/>
-            </a:endParaRPr>
-          </a:p>
-          <a:p>
-            <a:pPr>
-              <a:buNone/>
-            </a:pPr>
-            <a:r>
-              <a:rPr lang="en-US" sz="1100" b="0" i="0" u="none" strike="noStrike" kern="1200" baseline="0" dirty="0">
-                <a:solidFill>
-                  <a:schemeClr val="tx1"/>
-                </a:solidFill>
-                <a:latin typeface="+mn-lt"/>
-                <a:ea typeface="+mn-ea"/>
-                <a:cs typeface="+mn-cs"/>
-              </a:rPr>
-              <a:t>The architecture follows the master slave model, where at least one master node manages Docker containers across multiple worker nodes (slaves). These worker nodes can be local physical servers and VMs or even public and private clouds. The Master is responsible for exposing the API server, scheduling the service deployments and managing the overall cluster. The API server provides an entry point to control the entire Kubernetes cluster. </a:t>
-            </a:r>
-          </a:p>
         </p:txBody>
       </p:sp>
     </p:spTree>
@@ -4238,22 +2772,6 @@
             <a:pPr>
               <a:buNone/>
             </a:pPr>
-            <a:r>
-              <a:rPr lang="en-US" sz="1100" b="0" i="0" u="none" strike="noStrike" kern="1200" baseline="0" dirty="0">
-                <a:solidFill>
-                  <a:schemeClr val="tx1"/>
-                </a:solidFill>
-                <a:latin typeface="+mn-lt"/>
-                <a:ea typeface="+mn-ea"/>
-                <a:cs typeface="+mn-cs"/>
-              </a:rPr>
-              <a:t>To fully understand our approach, two concepts coming from Kubernetes should be highlighted: Pods and Services. </a:t>
-            </a:r>
-          </a:p>
-          <a:p>
-            <a:pPr>
-              <a:buNone/>
-            </a:pPr>
             <a:endParaRPr lang="en-US" sz="1100" b="0" i="0" u="none" strike="noStrike" kern="1200" baseline="0" dirty="0">
               <a:solidFill>
                 <a:schemeClr val="tx1"/>
@@ -4262,80 +2780,6 @@
               <a:ea typeface="+mn-ea"/>
               <a:cs typeface="+mn-cs"/>
             </a:endParaRPr>
-          </a:p>
-          <a:p>
-            <a:pPr>
-              <a:buNone/>
-            </a:pPr>
-            <a:r>
-              <a:rPr lang="en-US" sz="1100" b="0" i="0" u="none" strike="noStrike" kern="1200" baseline="0" dirty="0">
-                <a:solidFill>
-                  <a:schemeClr val="tx1"/>
-                </a:solidFill>
-                <a:latin typeface="+mn-lt"/>
-                <a:ea typeface="+mn-ea"/>
-                <a:cs typeface="+mn-cs"/>
-              </a:rPr>
-              <a:t>A pod represents the collection of containers and storage (volumes) running in the same execution environment, meaning that micro-services in Kubernetes are often coupled together forming a group of containers. </a:t>
-            </a:r>
-          </a:p>
-          <a:p>
-            <a:pPr>
-              <a:buNone/>
-            </a:pPr>
-            <a:endParaRPr lang="en-US" sz="1100" b="0" i="0" u="none" strike="noStrike" kern="1200" baseline="0" dirty="0">
-              <a:solidFill>
-                <a:schemeClr val="tx1"/>
-              </a:solidFill>
-              <a:latin typeface="+mn-lt"/>
-              <a:ea typeface="+mn-ea"/>
-              <a:cs typeface="+mn-cs"/>
-            </a:endParaRPr>
-          </a:p>
-          <a:p>
-            <a:pPr>
-              <a:buNone/>
-            </a:pPr>
-            <a:r>
-              <a:rPr lang="en-US" sz="1100" b="0" i="0" u="none" strike="noStrike" kern="1200" baseline="0" dirty="0">
-                <a:solidFill>
-                  <a:schemeClr val="tx1"/>
-                </a:solidFill>
-                <a:latin typeface="+mn-lt"/>
-                <a:ea typeface="+mn-ea"/>
-                <a:cs typeface="+mn-cs"/>
-              </a:rPr>
-              <a:t>A Service is an abstract way to define a logical set of Pods and expose the applications running on them.</a:t>
-            </a:r>
-          </a:p>
-          <a:p>
-            <a:pPr>
-              <a:buNone/>
-            </a:pPr>
-            <a:endParaRPr lang="en-US" sz="1100" b="0" i="0" u="none" strike="noStrike" kern="1200" baseline="0" dirty="0">
-              <a:solidFill>
-                <a:schemeClr val="tx1"/>
-              </a:solidFill>
-              <a:latin typeface="+mn-lt"/>
-              <a:ea typeface="+mn-ea"/>
-              <a:cs typeface="+mn-cs"/>
-            </a:endParaRPr>
-          </a:p>
-          <a:p>
-            <a:pPr>
-              <a:buNone/>
-            </a:pPr>
-            <a:r>
-              <a:rPr lang="en-US" sz="1100" b="0" i="0" u="none" strike="noStrike" kern="1200" baseline="0" dirty="0">
-                <a:solidFill>
-                  <a:schemeClr val="tx1"/>
-                </a:solidFill>
-                <a:latin typeface="+mn-lt"/>
-                <a:ea typeface="+mn-ea"/>
-                <a:cs typeface="+mn-cs"/>
-              </a:rPr>
-              <a:t>By using these two abstractions, there is no need to use a service discovery mechanism since pods have their own IP address, which makes load-balancing a straightforward process across them. The rationale behind these abstractions comes from the pods’ volatility as they may be terminated, meaning that pods running at a certain moment may be different than the ones which are providing the service a few days later. Thus, users must not need to be aware that pods have been terminated and new ones have been deployed. </a:t>
-            </a:r>
           </a:p>
         </p:txBody>
       </p:sp>
@@ -4418,230 +2862,6 @@
               <a:tabLst/>
               <a:defRPr/>
             </a:pPr>
-            <a:r>
-              <a:rPr lang="en-US" sz="1100" b="0" i="0" u="none" strike="noStrike" kern="1200" baseline="0" dirty="0">
-                <a:solidFill>
-                  <a:schemeClr val="tx1"/>
-                </a:solidFill>
-                <a:latin typeface="+mn-lt"/>
-                <a:ea typeface="+mn-ea"/>
-                <a:cs typeface="+mn-cs"/>
-              </a:rPr>
-              <a:t>The component that makes decisions in terms of pod allocations in Kubernetes is called </a:t>
-            </a:r>
-            <a:r>
-              <a:rPr lang="en-US" sz="1100" b="0" i="0" u="none" strike="noStrike" kern="1200" baseline="0" dirty="0" err="1">
-                <a:solidFill>
-                  <a:schemeClr val="tx1"/>
-                </a:solidFill>
-                <a:latin typeface="+mn-lt"/>
-                <a:ea typeface="+mn-ea"/>
-                <a:cs typeface="+mn-cs"/>
-              </a:rPr>
-              <a:t>Kube</a:t>
-            </a:r>
-            <a:r>
-              <a:rPr lang="en-US" sz="1100" b="0" i="0" u="none" strike="noStrike" kern="1200" baseline="0" dirty="0">
-                <a:solidFill>
-                  <a:schemeClr val="tx1"/>
-                </a:solidFill>
-                <a:latin typeface="+mn-lt"/>
-                <a:ea typeface="+mn-ea"/>
-                <a:cs typeface="+mn-cs"/>
-              </a:rPr>
-              <a:t>–Scheduler (KS). The KS is the default scheduling feature in the Kubernetes platform, which is responsible for deciding on which nodes pods should be</a:t>
-            </a:r>
-          </a:p>
-          <a:p>
-            <a:pPr marL="0" marR="0" lvl="0" indent="0" algn="l" defTabSz="914400" rtl="0" eaLnBrk="1" fontAlgn="auto" latinLnBrk="0" hangingPunct="1">
-              <a:lnSpc>
-                <a:spcPct val="100000"/>
-              </a:lnSpc>
-              <a:spcBef>
-                <a:spcPts val="0"/>
-              </a:spcBef>
-              <a:spcAft>
-                <a:spcPts val="0"/>
-              </a:spcAft>
-              <a:buClrTx/>
-              <a:buSzTx/>
-              <a:buFontTx/>
-              <a:buNone/>
-              <a:tabLst/>
-              <a:defRPr/>
-            </a:pPr>
-            <a:r>
-              <a:rPr lang="en-US" sz="1100" b="0" i="0" u="none" strike="noStrike" kern="1200" baseline="0" dirty="0">
-                <a:solidFill>
-                  <a:schemeClr val="tx1"/>
-                </a:solidFill>
-                <a:latin typeface="+mn-lt"/>
-                <a:ea typeface="+mn-ea"/>
-                <a:cs typeface="+mn-cs"/>
-              </a:rPr>
-              <a:t>allocated. </a:t>
-            </a:r>
-          </a:p>
-          <a:p>
-            <a:pPr>
-              <a:buNone/>
-            </a:pPr>
-            <a:endParaRPr lang="en-US" sz="1100" b="0" i="0" u="none" strike="noStrike" kern="1200" baseline="0" dirty="0">
-              <a:solidFill>
-                <a:schemeClr val="tx1"/>
-              </a:solidFill>
-              <a:latin typeface="+mn-lt"/>
-              <a:ea typeface="+mn-ea"/>
-              <a:cs typeface="+mn-cs"/>
-            </a:endParaRPr>
-          </a:p>
-          <a:p>
-            <a:pPr>
-              <a:buNone/>
-            </a:pPr>
-            <a:r>
-              <a:rPr lang="en-US" sz="1100" b="0" i="0" u="none" strike="noStrike" kern="1200" baseline="0" dirty="0">
-                <a:solidFill>
-                  <a:schemeClr val="tx1"/>
-                </a:solidFill>
-                <a:latin typeface="+mn-lt"/>
-                <a:ea typeface="+mn-ea"/>
-                <a:cs typeface="+mn-cs"/>
-              </a:rPr>
-              <a:t>How does It work?...</a:t>
-            </a:r>
-          </a:p>
-          <a:p>
-            <a:pPr>
-              <a:buNone/>
-            </a:pPr>
-            <a:endParaRPr lang="en-US" sz="1100" b="0" i="0" u="none" strike="noStrike" kern="1200" baseline="0" dirty="0">
-              <a:solidFill>
-                <a:schemeClr val="tx1"/>
-              </a:solidFill>
-              <a:latin typeface="+mn-lt"/>
-              <a:ea typeface="+mn-ea"/>
-              <a:cs typeface="+mn-cs"/>
-            </a:endParaRPr>
-          </a:p>
-          <a:p>
-            <a:pPr>
-              <a:buNone/>
-            </a:pPr>
-            <a:r>
-              <a:rPr lang="en-US" sz="1100" b="0" i="0" u="none" strike="noStrike" kern="1200" baseline="0" dirty="0">
-                <a:solidFill>
-                  <a:schemeClr val="tx1"/>
-                </a:solidFill>
-                <a:latin typeface="+mn-lt"/>
-                <a:ea typeface="+mn-ea"/>
-                <a:cs typeface="+mn-cs"/>
-              </a:rPr>
-              <a:t>Every pod needing allocation is added to a waiting queue, which is continuously monitored by the KS. If a pod is added to the waiting queue, the KS searches for a suitable node for the</a:t>
-            </a:r>
-          </a:p>
-          <a:p>
-            <a:pPr>
-              <a:buNone/>
-            </a:pPr>
-            <a:r>
-              <a:rPr lang="en-US" sz="1100" b="0" i="0" u="none" strike="noStrike" kern="1200" baseline="0" dirty="0">
-                <a:solidFill>
-                  <a:schemeClr val="tx1"/>
-                </a:solidFill>
-                <a:latin typeface="+mn-lt"/>
-                <a:ea typeface="+mn-ea"/>
-                <a:cs typeface="+mn-cs"/>
-              </a:rPr>
-              <a:t>deployment based on a two-step process. The first step is called node filtering, where the KS verifies which nodes can run the pod by applying a set of filters, also known as predicates. </a:t>
-            </a:r>
-          </a:p>
-          <a:p>
-            <a:pPr>
-              <a:buNone/>
-            </a:pPr>
-            <a:endParaRPr lang="en-US" sz="1100" b="0" i="0" u="none" strike="noStrike" kern="1200" baseline="0" dirty="0">
-              <a:solidFill>
-                <a:schemeClr val="tx1"/>
-              </a:solidFill>
-              <a:latin typeface="+mn-lt"/>
-              <a:ea typeface="+mn-ea"/>
-              <a:cs typeface="+mn-cs"/>
-            </a:endParaRPr>
-          </a:p>
-          <a:p>
-            <a:pPr>
-              <a:buNone/>
-            </a:pPr>
-            <a:r>
-              <a:rPr lang="en-US" sz="1100" b="0" i="0" u="none" strike="noStrike" kern="1200" baseline="0" dirty="0">
-                <a:solidFill>
-                  <a:schemeClr val="tx1"/>
-                </a:solidFill>
-                <a:latin typeface="+mn-lt"/>
-                <a:ea typeface="+mn-ea"/>
-                <a:cs typeface="+mn-cs"/>
-              </a:rPr>
-              <a:t>The purpose of filtering is to solely consider nodes meeting all specific requirements of the pod further in the scheduling process. </a:t>
-            </a:r>
-          </a:p>
-          <a:p>
-            <a:pPr>
-              <a:buNone/>
-            </a:pPr>
-            <a:endParaRPr lang="en-US" sz="1100" b="0" i="0" u="none" strike="noStrike" kern="1200" baseline="0" dirty="0">
-              <a:solidFill>
-                <a:schemeClr val="tx1"/>
-              </a:solidFill>
-              <a:latin typeface="+mn-lt"/>
-              <a:ea typeface="+mn-ea"/>
-              <a:cs typeface="+mn-cs"/>
-            </a:endParaRPr>
-          </a:p>
-          <a:p>
-            <a:pPr>
-              <a:buNone/>
-            </a:pPr>
-            <a:r>
-              <a:rPr lang="en-US" sz="1100" b="0" i="0" u="none" strike="noStrike" kern="1200" baseline="0" dirty="0">
-                <a:solidFill>
-                  <a:schemeClr val="tx1"/>
-                </a:solidFill>
-                <a:latin typeface="+mn-lt"/>
-                <a:ea typeface="+mn-ea"/>
-                <a:cs typeface="+mn-cs"/>
-              </a:rPr>
-              <a:t>The second operation is called node priority calculation, where the KS ranks each remaining node to find the best fit for the pod provisioning based on one or more scheduling algorithms, also called priorities. </a:t>
-            </a:r>
-          </a:p>
-          <a:p>
-            <a:pPr>
-              <a:buNone/>
-            </a:pPr>
-            <a:endParaRPr lang="en-US" sz="1100" b="0" i="0" u="none" strike="noStrike" kern="1200" baseline="0" dirty="0">
-              <a:solidFill>
-                <a:schemeClr val="tx1"/>
-              </a:solidFill>
-              <a:latin typeface="+mn-lt"/>
-              <a:ea typeface="+mn-ea"/>
-              <a:cs typeface="+mn-cs"/>
-            </a:endParaRPr>
-          </a:p>
-          <a:p>
-            <a:pPr>
-              <a:buNone/>
-            </a:pPr>
-            <a:r>
-              <a:rPr lang="en-US" sz="1100" b="0" i="0" u="none" strike="noStrike" kern="1200" baseline="0" dirty="0">
-                <a:solidFill>
-                  <a:schemeClr val="tx1"/>
-                </a:solidFill>
-                <a:latin typeface="+mn-lt"/>
-                <a:ea typeface="+mn-ea"/>
-                <a:cs typeface="+mn-cs"/>
-              </a:rPr>
-              <a:t>Each algorithm is weighted and each node is scored between 0 and 10. The highest scoring node is chosen to run the pod.</a:t>
-            </a:r>
             <a:endParaRPr lang="en-US" dirty="0"/>
           </a:p>
         </p:txBody>
@@ -4725,357 +2945,9 @@
               <a:tabLst/>
               <a:defRPr/>
             </a:pPr>
-            <a:endParaRPr lang="en-US" sz="1100" b="0" i="0" u="none" strike="noStrike" kern="1200" baseline="0" dirty="0">
-              <a:solidFill>
-                <a:schemeClr val="tx1"/>
-              </a:solidFill>
-              <a:latin typeface="+mn-lt"/>
-              <a:ea typeface="+mn-ea"/>
-              <a:cs typeface="+mn-cs"/>
+            <a:endParaRPr lang="en-US" sz="1100" dirty="0">
+              <a:latin typeface="UGent Panno Text" panose="02000506040000040003" pitchFamily="2" charset="0"/>
             </a:endParaRPr>
-          </a:p>
-          <a:p>
-            <a:pPr marL="0" marR="0" lvl="0" indent="0" algn="l" defTabSz="914400" rtl="0" eaLnBrk="1" fontAlgn="auto" latinLnBrk="0" hangingPunct="1">
-              <a:lnSpc>
-                <a:spcPct val="100000"/>
-              </a:lnSpc>
-              <a:spcBef>
-                <a:spcPts val="0"/>
-              </a:spcBef>
-              <a:spcAft>
-                <a:spcPts val="0"/>
-              </a:spcAft>
-              <a:buClrTx/>
-              <a:buSzTx/>
-              <a:buFontTx/>
-              <a:buNone/>
-              <a:tabLst/>
-              <a:defRPr/>
-            </a:pPr>
-            <a:r>
-              <a:rPr lang="en-US" sz="1100" b="0" i="0" u="none" strike="noStrike" kern="1200" baseline="0" dirty="0">
-                <a:solidFill>
-                  <a:schemeClr val="tx1"/>
-                </a:solidFill>
-                <a:latin typeface="+mn-lt"/>
-                <a:ea typeface="+mn-ea"/>
-                <a:cs typeface="+mn-cs"/>
-              </a:rPr>
-              <a:t>One of the main strongest points of KS is the fast decision time in the order of </a:t>
-            </a:r>
-            <a:r>
-              <a:rPr lang="en-US" sz="1100" b="0" i="0" u="none" strike="noStrike" kern="1200" baseline="0" dirty="0" err="1">
-                <a:solidFill>
-                  <a:schemeClr val="tx1"/>
-                </a:solidFill>
-                <a:latin typeface="+mn-lt"/>
-                <a:ea typeface="+mn-ea"/>
-                <a:cs typeface="+mn-cs"/>
-              </a:rPr>
-              <a:t>ms</a:t>
-            </a:r>
-            <a:r>
-              <a:rPr lang="en-US" sz="1100" b="0" i="0" u="none" strike="noStrike" kern="1200" baseline="0" dirty="0">
-                <a:solidFill>
-                  <a:schemeClr val="tx1"/>
-                </a:solidFill>
-                <a:latin typeface="+mn-lt"/>
-                <a:ea typeface="+mn-ea"/>
-                <a:cs typeface="+mn-cs"/>
-              </a:rPr>
-              <a:t> (as I will shown further in my presentation).</a:t>
-            </a:r>
-          </a:p>
-          <a:p>
-            <a:pPr marL="0" marR="0" lvl="0" indent="0" algn="l" defTabSz="914400" rtl="0" eaLnBrk="1" fontAlgn="auto" latinLnBrk="0" hangingPunct="1">
-              <a:lnSpc>
-                <a:spcPct val="100000"/>
-              </a:lnSpc>
-              <a:spcBef>
-                <a:spcPts val="0"/>
-              </a:spcBef>
-              <a:spcAft>
-                <a:spcPts val="0"/>
-              </a:spcAft>
-              <a:buClrTx/>
-              <a:buSzTx/>
-              <a:buFontTx/>
-              <a:buNone/>
-              <a:tabLst/>
-              <a:defRPr/>
-            </a:pPr>
-            <a:endParaRPr lang="en-US" sz="1100" b="0" i="0" u="none" strike="noStrike" kern="1200" baseline="0" dirty="0">
-              <a:solidFill>
-                <a:schemeClr val="tx1"/>
-              </a:solidFill>
-              <a:latin typeface="+mn-lt"/>
-              <a:ea typeface="+mn-ea"/>
-              <a:cs typeface="+mn-cs"/>
-            </a:endParaRPr>
-          </a:p>
-          <a:p>
-            <a:pPr marL="0" marR="0" lvl="0" indent="0" algn="l" defTabSz="914400" rtl="0" eaLnBrk="1" fontAlgn="auto" latinLnBrk="0" hangingPunct="1">
-              <a:lnSpc>
-                <a:spcPct val="100000"/>
-              </a:lnSpc>
-              <a:spcBef>
-                <a:spcPts val="0"/>
-              </a:spcBef>
-              <a:spcAft>
-                <a:spcPts val="0"/>
-              </a:spcAft>
-              <a:buClrTx/>
-              <a:buSzTx/>
-              <a:buFontTx/>
-              <a:buNone/>
-              <a:tabLst/>
-              <a:defRPr/>
-            </a:pPr>
-            <a:r>
-              <a:rPr lang="en-US" sz="1100" b="0" i="0" u="none" strike="noStrike" kern="1200" baseline="0" dirty="0">
-                <a:solidFill>
-                  <a:schemeClr val="tx1"/>
-                </a:solidFill>
-                <a:latin typeface="+mn-lt"/>
-                <a:ea typeface="+mn-ea"/>
-                <a:cs typeface="+mn-cs"/>
-              </a:rPr>
-              <a:t>KS is also easily extensible in case someone would like to make scheduling decisions on a specific rule/algorithm not yet present in the KS.</a:t>
-            </a:r>
-          </a:p>
-          <a:p>
-            <a:pPr marL="0" marR="0" lvl="0" indent="0" algn="l" defTabSz="914400" rtl="0" eaLnBrk="1" fontAlgn="auto" latinLnBrk="0" hangingPunct="1">
-              <a:lnSpc>
-                <a:spcPct val="100000"/>
-              </a:lnSpc>
-              <a:spcBef>
-                <a:spcPts val="0"/>
-              </a:spcBef>
-              <a:spcAft>
-                <a:spcPts val="0"/>
-              </a:spcAft>
-              <a:buClrTx/>
-              <a:buSzTx/>
-              <a:buFontTx/>
-              <a:buNone/>
-              <a:tabLst/>
-              <a:defRPr/>
-            </a:pPr>
-            <a:endParaRPr lang="en-US" sz="1100" b="0" i="0" u="none" strike="noStrike" kern="1200" baseline="0" dirty="0">
-              <a:solidFill>
-                <a:schemeClr val="tx1"/>
-              </a:solidFill>
-              <a:latin typeface="+mn-lt"/>
-              <a:ea typeface="+mn-ea"/>
-              <a:cs typeface="+mn-cs"/>
-            </a:endParaRPr>
-          </a:p>
-          <a:p>
-            <a:pPr marL="0" marR="0" lvl="0" indent="0" algn="l" defTabSz="914400" rtl="0" eaLnBrk="1" fontAlgn="auto" latinLnBrk="0" hangingPunct="1">
-              <a:lnSpc>
-                <a:spcPct val="100000"/>
-              </a:lnSpc>
-              <a:spcBef>
-                <a:spcPts val="0"/>
-              </a:spcBef>
-              <a:spcAft>
-                <a:spcPts val="0"/>
-              </a:spcAft>
-              <a:buClrTx/>
-              <a:buSzTx/>
-              <a:buFontTx/>
-              <a:buNone/>
-              <a:tabLst/>
-              <a:defRPr/>
-            </a:pPr>
-            <a:r>
-              <a:rPr lang="en-US" sz="1100" b="0" i="0" u="none" strike="noStrike" kern="1200" baseline="0" dirty="0">
-                <a:solidFill>
-                  <a:schemeClr val="tx1"/>
-                </a:solidFill>
-                <a:latin typeface="+mn-lt"/>
-                <a:ea typeface="+mn-ea"/>
-                <a:cs typeface="+mn-cs"/>
-              </a:rPr>
-              <a:t>BUT Although KS provides flexible and powerful features, the metrics applied in the decision-making process are rather limited. Only CPU and RAM usage rates are considered in the service scheduling.</a:t>
-            </a:r>
-          </a:p>
-          <a:p>
-            <a:pPr marL="0" marR="0" lvl="0" indent="0" algn="l" defTabSz="914400" rtl="0" eaLnBrk="1" fontAlgn="auto" latinLnBrk="0" hangingPunct="1">
-              <a:lnSpc>
-                <a:spcPct val="100000"/>
-              </a:lnSpc>
-              <a:spcBef>
-                <a:spcPts val="0"/>
-              </a:spcBef>
-              <a:spcAft>
-                <a:spcPts val="0"/>
-              </a:spcAft>
-              <a:buClrTx/>
-              <a:buSzTx/>
-              <a:buFontTx/>
-              <a:buNone/>
-              <a:tabLst/>
-              <a:defRPr/>
-            </a:pPr>
-            <a:endParaRPr lang="en-US" sz="1100" b="0" i="0" u="none" strike="noStrike" kern="1200" baseline="0" dirty="0">
-              <a:solidFill>
-                <a:schemeClr val="tx1"/>
-              </a:solidFill>
-              <a:latin typeface="+mn-lt"/>
-              <a:ea typeface="+mn-ea"/>
-              <a:cs typeface="+mn-cs"/>
-            </a:endParaRPr>
-          </a:p>
-          <a:p>
-            <a:pPr marL="0" marR="0" lvl="0" indent="0" algn="l" defTabSz="914400" rtl="0" eaLnBrk="1" fontAlgn="auto" latinLnBrk="0" hangingPunct="1">
-              <a:lnSpc>
-                <a:spcPct val="100000"/>
-              </a:lnSpc>
-              <a:spcBef>
-                <a:spcPts val="0"/>
-              </a:spcBef>
-              <a:spcAft>
-                <a:spcPts val="0"/>
-              </a:spcAft>
-              <a:buClrTx/>
-              <a:buSzTx/>
-              <a:buFontTx/>
-              <a:buNone/>
-              <a:tabLst/>
-              <a:defRPr/>
-            </a:pPr>
-            <a:r>
-              <a:rPr lang="en-US" sz="1100" b="0" i="0" u="none" strike="noStrike" kern="1200" baseline="0" dirty="0">
-                <a:solidFill>
-                  <a:schemeClr val="tx1"/>
-                </a:solidFill>
-                <a:latin typeface="+mn-lt"/>
-                <a:ea typeface="+mn-ea"/>
-                <a:cs typeface="+mn-cs"/>
-              </a:rPr>
-              <a:t>When Fog-cloud environments are considered, latency and bandwidth are highly challenging constraints. </a:t>
-            </a:r>
-          </a:p>
-          <a:p>
-            <a:pPr marL="0" marR="0" lvl="0" indent="0" algn="l" defTabSz="914400" rtl="0" eaLnBrk="1" fontAlgn="auto" latinLnBrk="0" hangingPunct="1">
-              <a:lnSpc>
-                <a:spcPct val="100000"/>
-              </a:lnSpc>
-              <a:spcBef>
-                <a:spcPts val="0"/>
-              </a:spcBef>
-              <a:spcAft>
-                <a:spcPts val="0"/>
-              </a:spcAft>
-              <a:buClrTx/>
-              <a:buSzTx/>
-              <a:buFontTx/>
-              <a:buNone/>
-              <a:tabLst/>
-              <a:defRPr/>
-            </a:pPr>
-            <a:endParaRPr lang="en-US" sz="1100" b="0" i="0" u="none" strike="noStrike" kern="1200" baseline="0" dirty="0">
-              <a:solidFill>
-                <a:schemeClr val="tx1"/>
-              </a:solidFill>
-              <a:latin typeface="+mn-lt"/>
-              <a:ea typeface="+mn-ea"/>
-              <a:cs typeface="+mn-cs"/>
-            </a:endParaRPr>
-          </a:p>
-          <a:p>
-            <a:pPr marL="0" marR="0" lvl="0" indent="0" algn="l" defTabSz="914400" rtl="0" eaLnBrk="1" fontAlgn="auto" latinLnBrk="0" hangingPunct="1">
-              <a:lnSpc>
-                <a:spcPct val="100000"/>
-              </a:lnSpc>
-              <a:spcBef>
-                <a:spcPts val="0"/>
-              </a:spcBef>
-              <a:spcAft>
-                <a:spcPts val="0"/>
-              </a:spcAft>
-              <a:buClrTx/>
-              <a:buSzTx/>
-              <a:buFontTx/>
-              <a:buNone/>
-              <a:tabLst/>
-              <a:defRPr/>
-            </a:pPr>
-            <a:r>
-              <a:rPr lang="en-US" sz="1100" b="0" i="0" u="none" strike="noStrike" kern="1200" baseline="0" dirty="0">
-                <a:solidFill>
-                  <a:schemeClr val="tx1"/>
-                </a:solidFill>
-                <a:latin typeface="+mn-lt"/>
-                <a:ea typeface="+mn-ea"/>
-                <a:cs typeface="+mn-cs"/>
-              </a:rPr>
-              <a:t>For example, bandwidth limitations may cause network congestion and even service disruptions, which could eventually lead to service interruptions while latency thresholds if exceeded can lead to unstable services. </a:t>
-            </a:r>
-          </a:p>
-          <a:p>
-            <a:pPr marL="0" marR="0" lvl="0" indent="0" algn="l" defTabSz="914400" rtl="0" eaLnBrk="1" fontAlgn="auto" latinLnBrk="0" hangingPunct="1">
-              <a:lnSpc>
-                <a:spcPct val="100000"/>
-              </a:lnSpc>
-              <a:spcBef>
-                <a:spcPts val="0"/>
-              </a:spcBef>
-              <a:spcAft>
-                <a:spcPts val="0"/>
-              </a:spcAft>
-              <a:buClrTx/>
-              <a:buSzTx/>
-              <a:buFontTx/>
-              <a:buNone/>
-              <a:tabLst/>
-              <a:defRPr/>
-            </a:pPr>
-            <a:endParaRPr lang="en-US" sz="1100" b="0" i="0" u="none" strike="noStrike" kern="1200" baseline="0" dirty="0">
-              <a:solidFill>
-                <a:schemeClr val="tx1"/>
-              </a:solidFill>
-              <a:latin typeface="+mn-lt"/>
-              <a:ea typeface="+mn-ea"/>
-              <a:cs typeface="+mn-cs"/>
-            </a:endParaRPr>
-          </a:p>
-          <a:p>
-            <a:pPr marL="0" marR="0" lvl="0" indent="0" algn="l" defTabSz="914400" rtl="0" eaLnBrk="1" fontAlgn="auto" latinLnBrk="0" hangingPunct="1">
-              <a:lnSpc>
-                <a:spcPct val="100000"/>
-              </a:lnSpc>
-              <a:spcBef>
-                <a:spcPts val="0"/>
-              </a:spcBef>
-              <a:spcAft>
-                <a:spcPts val="0"/>
-              </a:spcAft>
-              <a:buClrTx/>
-              <a:buSzTx/>
-              <a:buFontTx/>
-              <a:buNone/>
-              <a:tabLst/>
-              <a:defRPr/>
-            </a:pPr>
-            <a:r>
-              <a:rPr lang="en-US" sz="1100" b="0" i="0" u="none" strike="noStrike" kern="1200" baseline="0" dirty="0">
-                <a:solidFill>
-                  <a:schemeClr val="tx1"/>
-                </a:solidFill>
-                <a:latin typeface="+mn-lt"/>
-                <a:ea typeface="+mn-ea"/>
-                <a:cs typeface="+mn-cs"/>
-              </a:rPr>
-              <a:t>Therefore, for these kind of services, it is crucial to provide a </a:t>
-            </a:r>
-            <a:r>
-              <a:rPr lang="en-US" sz="1100" dirty="0">
-                <a:latin typeface="UGent Panno Text" panose="02000506040000040003" pitchFamily="2" charset="0"/>
-              </a:rPr>
-              <a:t>provisioning approach considering multiple factors, such as the applications’ specific requirements (CPU and memory), the state of the infrastructure (hardware and software), the network status (link bandwidth and latency), among others. </a:t>
-            </a:r>
           </a:p>
         </p:txBody>
       </p:sp>
